--- a/3d models/ppt/Stone.pptx
+++ b/3d models/ppt/Stone.pptx
@@ -5,17 +5,18 @@
     <p:sldMasterId id="2147483660" r:id="rId1"/>
   </p:sldMasterIdLst>
   <p:notesMasterIdLst>
-    <p:notesMasterId r:id="rId10"/>
+    <p:notesMasterId r:id="rId11"/>
   </p:notesMasterIdLst>
   <p:sldIdLst>
     <p:sldId id="256" r:id="rId2"/>
-    <p:sldId id="257" r:id="rId3"/>
-    <p:sldId id="258" r:id="rId4"/>
-    <p:sldId id="259" r:id="rId5"/>
-    <p:sldId id="260" r:id="rId6"/>
-    <p:sldId id="261" r:id="rId7"/>
-    <p:sldId id="262" r:id="rId8"/>
-    <p:sldId id="263" r:id="rId9"/>
+    <p:sldId id="264" r:id="rId3"/>
+    <p:sldId id="257" r:id="rId4"/>
+    <p:sldId id="258" r:id="rId5"/>
+    <p:sldId id="259" r:id="rId6"/>
+    <p:sldId id="260" r:id="rId7"/>
+    <p:sldId id="261" r:id="rId8"/>
+    <p:sldId id="262" r:id="rId9"/>
+    <p:sldId id="263" r:id="rId10"/>
   </p:sldIdLst>
   <p:sldSz cx="1800225" cy="1800225"/>
   <p:notesSz cx="6858000" cy="9144000"/>
@@ -204,7 +205,7 @@
           <a:p>
             <a:fld id="{E5742A41-E671-4430-BD11-9C70C9E0B339}" type="datetimeFigureOut">
               <a:rPr lang="en-CA" smtClean="0"/>
-              <a:t>2025-05-16</a:t>
+              <a:t>2025-05-18</a:t>
             </a:fld>
             <a:endParaRPr lang="en-CA"/>
           </a:p>
@@ -603,7 +604,7 @@
           <a:p>
             <a:fld id="{E174D934-5F45-4F20-9FDF-AE6396442B39}" type="datetimeFigureOut">
               <a:rPr lang="en-CA" smtClean="0"/>
-              <a:t>2025-05-16</a:t>
+              <a:t>2025-05-18</a:t>
             </a:fld>
             <a:endParaRPr lang="en-CA"/>
           </a:p>
@@ -774,7 +775,7 @@
           <a:p>
             <a:fld id="{E174D934-5F45-4F20-9FDF-AE6396442B39}" type="datetimeFigureOut">
               <a:rPr lang="en-CA" smtClean="0"/>
-              <a:t>2025-05-16</a:t>
+              <a:t>2025-05-18</a:t>
             </a:fld>
             <a:endParaRPr lang="en-CA"/>
           </a:p>
@@ -955,7 +956,7 @@
           <a:p>
             <a:fld id="{E174D934-5F45-4F20-9FDF-AE6396442B39}" type="datetimeFigureOut">
               <a:rPr lang="en-CA" smtClean="0"/>
-              <a:t>2025-05-16</a:t>
+              <a:t>2025-05-18</a:t>
             </a:fld>
             <a:endParaRPr lang="en-CA"/>
           </a:p>
@@ -1126,7 +1127,7 @@
           <a:p>
             <a:fld id="{E174D934-5F45-4F20-9FDF-AE6396442B39}" type="datetimeFigureOut">
               <a:rPr lang="en-CA" smtClean="0"/>
-              <a:t>2025-05-16</a:t>
+              <a:t>2025-05-18</a:t>
             </a:fld>
             <a:endParaRPr lang="en-CA"/>
           </a:p>
@@ -1373,7 +1374,7 @@
           <a:p>
             <a:fld id="{E174D934-5F45-4F20-9FDF-AE6396442B39}" type="datetimeFigureOut">
               <a:rPr lang="en-CA" smtClean="0"/>
-              <a:t>2025-05-16</a:t>
+              <a:t>2025-05-18</a:t>
             </a:fld>
             <a:endParaRPr lang="en-CA"/>
           </a:p>
@@ -1606,7 +1607,7 @@
           <a:p>
             <a:fld id="{E174D934-5F45-4F20-9FDF-AE6396442B39}" type="datetimeFigureOut">
               <a:rPr lang="en-CA" smtClean="0"/>
-              <a:t>2025-05-16</a:t>
+              <a:t>2025-05-18</a:t>
             </a:fld>
             <a:endParaRPr lang="en-CA"/>
           </a:p>
@@ -1974,7 +1975,7 @@
           <a:p>
             <a:fld id="{E174D934-5F45-4F20-9FDF-AE6396442B39}" type="datetimeFigureOut">
               <a:rPr lang="en-CA" smtClean="0"/>
-              <a:t>2025-05-16</a:t>
+              <a:t>2025-05-18</a:t>
             </a:fld>
             <a:endParaRPr lang="en-CA"/>
           </a:p>
@@ -2093,7 +2094,7 @@
           <a:p>
             <a:fld id="{E174D934-5F45-4F20-9FDF-AE6396442B39}" type="datetimeFigureOut">
               <a:rPr lang="en-CA" smtClean="0"/>
-              <a:t>2025-05-16</a:t>
+              <a:t>2025-05-18</a:t>
             </a:fld>
             <a:endParaRPr lang="en-CA"/>
           </a:p>
@@ -2189,7 +2190,7 @@
           <a:p>
             <a:fld id="{E174D934-5F45-4F20-9FDF-AE6396442B39}" type="datetimeFigureOut">
               <a:rPr lang="en-CA" smtClean="0"/>
-              <a:t>2025-05-16</a:t>
+              <a:t>2025-05-18</a:t>
             </a:fld>
             <a:endParaRPr lang="en-CA"/>
           </a:p>
@@ -2467,7 +2468,7 @@
           <a:p>
             <a:fld id="{E174D934-5F45-4F20-9FDF-AE6396442B39}" type="datetimeFigureOut">
               <a:rPr lang="en-CA" smtClean="0"/>
-              <a:t>2025-05-16</a:t>
+              <a:t>2025-05-18</a:t>
             </a:fld>
             <a:endParaRPr lang="en-CA"/>
           </a:p>
@@ -2725,7 +2726,7 @@
           <a:p>
             <a:fld id="{E174D934-5F45-4F20-9FDF-AE6396442B39}" type="datetimeFigureOut">
               <a:rPr lang="en-CA" smtClean="0"/>
-              <a:t>2025-05-16</a:t>
+              <a:t>2025-05-18</a:t>
             </a:fld>
             <a:endParaRPr lang="en-CA"/>
           </a:p>
@@ -2939,7 +2940,7 @@
           <a:p>
             <a:fld id="{E174D934-5F45-4F20-9FDF-AE6396442B39}" type="datetimeFigureOut">
               <a:rPr lang="en-CA" smtClean="0"/>
-              <a:t>2025-05-16</a:t>
+              <a:t>2025-05-18</a:t>
             </a:fld>
             <a:endParaRPr lang="en-CA"/>
           </a:p>
@@ -3347,24 +3348,241 @@
       </p:grpSpPr>
       <p:pic>
         <p:nvPicPr>
-          <p:cNvPr id="4" name="Picture 3">
-            <a:extLst>
-              <a:ext uri="{FF2B5EF4-FFF2-40B4-BE49-F238E27FC236}">
-                <a16:creationId xmlns:a16="http://schemas.microsoft.com/office/drawing/2014/main" id="{9997BA53-3AB9-0552-6FA0-AF5EFACFDBBE}"/>
-              </a:ext>
-            </a:extLst>
-          </p:cNvPr>
-          <p:cNvPicPr>
-            <a:picLocks noChangeAspect="1"/>
-          </p:cNvPicPr>
-          <p:nvPr/>
-        </p:nvPicPr>
-        <p:blipFill>
-          <a:blip r:embed="rId2">
+          <p:cNvPr id="6" name="Picture 5" hidden="1">
+            <a:extLst>
+              <a:ext uri="{FF2B5EF4-FFF2-40B4-BE49-F238E27FC236}">
+                <a16:creationId xmlns:a16="http://schemas.microsoft.com/office/drawing/2014/main" id="{03AF22CE-5E78-190F-A2D9-7115190DC230}"/>
+              </a:ext>
+            </a:extLst>
+          </p:cNvPr>
+          <p:cNvPicPr>
+            <a:picLocks noChangeAspect="1"/>
+          </p:cNvPicPr>
+          <p:nvPr/>
+        </p:nvPicPr>
+        <p:blipFill>
+          <a:blip r:embed="rId2"/>
+          <a:stretch>
+            <a:fillRect/>
+          </a:stretch>
+        </p:blipFill>
+        <p:spPr>
+          <a:xfrm>
+            <a:off x="0" y="0"/>
+            <a:ext cx="1698804" cy="1800225"/>
+          </a:xfrm>
+          <a:prstGeom prst="rect">
+            <a:avLst/>
+          </a:prstGeom>
+        </p:spPr>
+      </p:pic>
+      <p:pic>
+        <p:nvPicPr>
+          <p:cNvPr id="9" name="Picture 8" hidden="1">
+            <a:extLst>
+              <a:ext uri="{FF2B5EF4-FFF2-40B4-BE49-F238E27FC236}">
+                <a16:creationId xmlns:a16="http://schemas.microsoft.com/office/drawing/2014/main" id="{BD0BB95A-91F5-8BB4-534B-81FC77E6B0ED}"/>
+              </a:ext>
+            </a:extLst>
+          </p:cNvPr>
+          <p:cNvPicPr>
+            <a:picLocks noChangeAspect="1"/>
+          </p:cNvPicPr>
+          <p:nvPr/>
+        </p:nvPicPr>
+        <p:blipFill>
+          <a:blip r:embed="rId3"/>
+          <a:stretch>
+            <a:fillRect/>
+          </a:stretch>
+        </p:blipFill>
+        <p:spPr>
+          <a:xfrm>
+            <a:off x="5409" y="32725"/>
+            <a:ext cx="1698804" cy="1800225"/>
+          </a:xfrm>
+          <a:prstGeom prst="rect">
+            <a:avLst/>
+          </a:prstGeom>
+        </p:spPr>
+      </p:pic>
+      <p:pic>
+        <p:nvPicPr>
+          <p:cNvPr id="11" name="Picture 10" hidden="1">
+            <a:extLst>
+              <a:ext uri="{FF2B5EF4-FFF2-40B4-BE49-F238E27FC236}">
+                <a16:creationId xmlns:a16="http://schemas.microsoft.com/office/drawing/2014/main" id="{41F38458-50E6-66DC-8CA8-FB566C49C2ED}"/>
+              </a:ext>
+            </a:extLst>
+          </p:cNvPr>
+          <p:cNvPicPr>
+            <a:picLocks noChangeAspect="1"/>
+          </p:cNvPicPr>
+          <p:nvPr/>
+        </p:nvPicPr>
+        <p:blipFill>
+          <a:blip r:embed="rId4"/>
+          <a:stretch>
+            <a:fillRect/>
+          </a:stretch>
+        </p:blipFill>
+        <p:spPr>
+          <a:xfrm>
+            <a:off x="0" y="65450"/>
+            <a:ext cx="1698804" cy="1800225"/>
+          </a:xfrm>
+          <a:prstGeom prst="rect">
+            <a:avLst/>
+          </a:prstGeom>
+        </p:spPr>
+      </p:pic>
+      <p:pic>
+        <p:nvPicPr>
+          <p:cNvPr id="13" name="Picture 12" hidden="1">
+            <a:extLst>
+              <a:ext uri="{FF2B5EF4-FFF2-40B4-BE49-F238E27FC236}">
+                <a16:creationId xmlns:a16="http://schemas.microsoft.com/office/drawing/2014/main" id="{A7F2B013-DE9F-0BFB-ED4F-FAB8C101D155}"/>
+              </a:ext>
+            </a:extLst>
+          </p:cNvPr>
+          <p:cNvPicPr>
+            <a:picLocks noChangeAspect="1"/>
+          </p:cNvPicPr>
+          <p:nvPr/>
+        </p:nvPicPr>
+        <p:blipFill>
+          <a:blip r:embed="rId5"/>
+          <a:stretch>
+            <a:fillRect/>
+          </a:stretch>
+        </p:blipFill>
+        <p:spPr>
+          <a:xfrm>
+            <a:off x="0" y="121862"/>
+            <a:ext cx="1698804" cy="1800225"/>
+          </a:xfrm>
+          <a:prstGeom prst="rect">
+            <a:avLst/>
+          </a:prstGeom>
+        </p:spPr>
+      </p:pic>
+      <p:pic>
+        <p:nvPicPr>
+          <p:cNvPr id="15" name="Picture 14" hidden="1">
+            <a:extLst>
+              <a:ext uri="{FF2B5EF4-FFF2-40B4-BE49-F238E27FC236}">
+                <a16:creationId xmlns:a16="http://schemas.microsoft.com/office/drawing/2014/main" id="{08C9EF61-93CE-58C4-EEC5-CF2AE3069F9C}"/>
+              </a:ext>
+            </a:extLst>
+          </p:cNvPr>
+          <p:cNvPicPr>
+            <a:picLocks noChangeAspect="1"/>
+          </p:cNvPicPr>
+          <p:nvPr/>
+        </p:nvPicPr>
+        <p:blipFill>
+          <a:blip r:embed="rId6"/>
+          <a:stretch>
+            <a:fillRect/>
+          </a:stretch>
+        </p:blipFill>
+        <p:spPr>
+          <a:xfrm>
+            <a:off x="5382" y="300866"/>
+            <a:ext cx="371527" cy="152421"/>
+          </a:xfrm>
+          <a:prstGeom prst="rect">
+            <a:avLst/>
+          </a:prstGeom>
+        </p:spPr>
+      </p:pic>
+      <p:pic>
+        <p:nvPicPr>
+          <p:cNvPr id="17" name="Picture 16" hidden="1">
+            <a:extLst>
+              <a:ext uri="{FF2B5EF4-FFF2-40B4-BE49-F238E27FC236}">
+                <a16:creationId xmlns:a16="http://schemas.microsoft.com/office/drawing/2014/main" id="{B20D86C5-BA6D-E154-E685-84F7CBC5AAD2}"/>
+              </a:ext>
+            </a:extLst>
+          </p:cNvPr>
+          <p:cNvPicPr>
+            <a:picLocks noChangeAspect="1"/>
+          </p:cNvPicPr>
+          <p:nvPr/>
+        </p:nvPicPr>
+        <p:blipFill>
+          <a:blip r:embed="rId7"/>
+          <a:stretch>
+            <a:fillRect/>
+          </a:stretch>
+        </p:blipFill>
+        <p:spPr>
+          <a:xfrm>
+            <a:off x="-5409" y="121861"/>
+            <a:ext cx="1698804" cy="1800225"/>
+          </a:xfrm>
+          <a:prstGeom prst="rect">
+            <a:avLst/>
+          </a:prstGeom>
+        </p:spPr>
+      </p:pic>
+      <p:pic>
+        <p:nvPicPr>
+          <p:cNvPr id="19" name="Picture 18" hidden="1">
+            <a:extLst>
+              <a:ext uri="{FF2B5EF4-FFF2-40B4-BE49-F238E27FC236}">
+                <a16:creationId xmlns:a16="http://schemas.microsoft.com/office/drawing/2014/main" id="{DC4B3E7E-E96A-49BD-1292-8ED31CC83579}"/>
+              </a:ext>
+            </a:extLst>
+          </p:cNvPr>
+          <p:cNvPicPr>
+            <a:picLocks noChangeAspect="1"/>
+          </p:cNvPicPr>
+          <p:nvPr/>
+        </p:nvPicPr>
+        <p:blipFill>
+          <a:blip r:embed="rId8"/>
+          <a:stretch>
+            <a:fillRect/>
+          </a:stretch>
+        </p:blipFill>
+        <p:spPr>
+          <a:xfrm>
+            <a:off x="-10818" y="121860"/>
+            <a:ext cx="1698804" cy="1800225"/>
+          </a:xfrm>
+          <a:prstGeom prst="rect">
+            <a:avLst/>
+          </a:prstGeom>
+        </p:spPr>
+      </p:pic>
+      <p:pic>
+        <p:nvPicPr>
+          <p:cNvPr id="5" name="Picture 4">
+            <a:extLst>
+              <a:ext uri="{FF2B5EF4-FFF2-40B4-BE49-F238E27FC236}">
+                <a16:creationId xmlns:a16="http://schemas.microsoft.com/office/drawing/2014/main" id="{F13B7387-355D-5772-3E26-DCB6CECC6DD2}"/>
+              </a:ext>
+            </a:extLst>
+          </p:cNvPr>
+          <p:cNvPicPr>
+            <a:picLocks noChangeAspect="1"/>
+          </p:cNvPicPr>
+          <p:nvPr/>
+        </p:nvPicPr>
+        <p:blipFill>
+          <a:blip r:embed="rId9">
+            <a:duotone>
+              <a:prstClr val="black"/>
+              <a:schemeClr val="tx2">
+                <a:tint val="45000"/>
+                <a:satMod val="400000"/>
+              </a:schemeClr>
+            </a:duotone>
             <a:extLst>
               <a:ext uri="{BEBA8EAE-BF5A-486C-A8C5-ECC9F3942E4B}">
                 <a14:imgProps xmlns:a14="http://schemas.microsoft.com/office/drawing/2010/main">
-                  <a14:imgLayer r:embed="rId3">
+                  <a14:imgLayer r:embed="rId10">
                     <a14:imgEffect>
                       <a14:artisticTexturizer/>
                     </a14:imgEffect>
@@ -3382,8 +3600,8 @@
         </p:blipFill>
         <p:spPr>
           <a:xfrm>
-            <a:off x="100659" y="38588"/>
-            <a:ext cx="180975" cy="352425"/>
+            <a:off x="75286" y="20700"/>
+            <a:ext cx="276225" cy="257175"/>
           </a:xfrm>
           <a:prstGeom prst="rect">
             <a:avLst/>
@@ -3395,216 +3613,6 @@
               </a:srgbClr>
             </a:outerShdw>
           </a:effectLst>
-        </p:spPr>
-      </p:pic>
-      <p:pic>
-        <p:nvPicPr>
-          <p:cNvPr id="6" name="Picture 5" hidden="1">
-            <a:extLst>
-              <a:ext uri="{FF2B5EF4-FFF2-40B4-BE49-F238E27FC236}">
-                <a16:creationId xmlns:a16="http://schemas.microsoft.com/office/drawing/2014/main" id="{03AF22CE-5E78-190F-A2D9-7115190DC230}"/>
-              </a:ext>
-            </a:extLst>
-          </p:cNvPr>
-          <p:cNvPicPr>
-            <a:picLocks noChangeAspect="1"/>
-          </p:cNvPicPr>
-          <p:nvPr/>
-        </p:nvPicPr>
-        <p:blipFill>
-          <a:blip r:embed="rId4"/>
-          <a:stretch>
-            <a:fillRect/>
-          </a:stretch>
-        </p:blipFill>
-        <p:spPr>
-          <a:xfrm>
-            <a:off x="0" y="0"/>
-            <a:ext cx="1698804" cy="1800225"/>
-          </a:xfrm>
-          <a:prstGeom prst="rect">
-            <a:avLst/>
-          </a:prstGeom>
-        </p:spPr>
-      </p:pic>
-      <p:pic>
-        <p:nvPicPr>
-          <p:cNvPr id="9" name="Picture 8" hidden="1">
-            <a:extLst>
-              <a:ext uri="{FF2B5EF4-FFF2-40B4-BE49-F238E27FC236}">
-                <a16:creationId xmlns:a16="http://schemas.microsoft.com/office/drawing/2014/main" id="{BD0BB95A-91F5-8BB4-534B-81FC77E6B0ED}"/>
-              </a:ext>
-            </a:extLst>
-          </p:cNvPr>
-          <p:cNvPicPr>
-            <a:picLocks noChangeAspect="1"/>
-          </p:cNvPicPr>
-          <p:nvPr/>
-        </p:nvPicPr>
-        <p:blipFill>
-          <a:blip r:embed="rId5"/>
-          <a:stretch>
-            <a:fillRect/>
-          </a:stretch>
-        </p:blipFill>
-        <p:spPr>
-          <a:xfrm>
-            <a:off x="5409" y="32725"/>
-            <a:ext cx="1698804" cy="1800225"/>
-          </a:xfrm>
-          <a:prstGeom prst="rect">
-            <a:avLst/>
-          </a:prstGeom>
-        </p:spPr>
-      </p:pic>
-      <p:pic>
-        <p:nvPicPr>
-          <p:cNvPr id="11" name="Picture 10" hidden="1">
-            <a:extLst>
-              <a:ext uri="{FF2B5EF4-FFF2-40B4-BE49-F238E27FC236}">
-                <a16:creationId xmlns:a16="http://schemas.microsoft.com/office/drawing/2014/main" id="{41F38458-50E6-66DC-8CA8-FB566C49C2ED}"/>
-              </a:ext>
-            </a:extLst>
-          </p:cNvPr>
-          <p:cNvPicPr>
-            <a:picLocks noChangeAspect="1"/>
-          </p:cNvPicPr>
-          <p:nvPr/>
-        </p:nvPicPr>
-        <p:blipFill>
-          <a:blip r:embed="rId6"/>
-          <a:stretch>
-            <a:fillRect/>
-          </a:stretch>
-        </p:blipFill>
-        <p:spPr>
-          <a:xfrm>
-            <a:off x="0" y="65450"/>
-            <a:ext cx="1698804" cy="1800225"/>
-          </a:xfrm>
-          <a:prstGeom prst="rect">
-            <a:avLst/>
-          </a:prstGeom>
-        </p:spPr>
-      </p:pic>
-      <p:pic>
-        <p:nvPicPr>
-          <p:cNvPr id="13" name="Picture 12" hidden="1">
-            <a:extLst>
-              <a:ext uri="{FF2B5EF4-FFF2-40B4-BE49-F238E27FC236}">
-                <a16:creationId xmlns:a16="http://schemas.microsoft.com/office/drawing/2014/main" id="{A7F2B013-DE9F-0BFB-ED4F-FAB8C101D155}"/>
-              </a:ext>
-            </a:extLst>
-          </p:cNvPr>
-          <p:cNvPicPr>
-            <a:picLocks noChangeAspect="1"/>
-          </p:cNvPicPr>
-          <p:nvPr/>
-        </p:nvPicPr>
-        <p:blipFill>
-          <a:blip r:embed="rId7"/>
-          <a:stretch>
-            <a:fillRect/>
-          </a:stretch>
-        </p:blipFill>
-        <p:spPr>
-          <a:xfrm>
-            <a:off x="0" y="121862"/>
-            <a:ext cx="1698804" cy="1800225"/>
-          </a:xfrm>
-          <a:prstGeom prst="rect">
-            <a:avLst/>
-          </a:prstGeom>
-        </p:spPr>
-      </p:pic>
-      <p:pic>
-        <p:nvPicPr>
-          <p:cNvPr id="15" name="Picture 14" hidden="1">
-            <a:extLst>
-              <a:ext uri="{FF2B5EF4-FFF2-40B4-BE49-F238E27FC236}">
-                <a16:creationId xmlns:a16="http://schemas.microsoft.com/office/drawing/2014/main" id="{08C9EF61-93CE-58C4-EEC5-CF2AE3069F9C}"/>
-              </a:ext>
-            </a:extLst>
-          </p:cNvPr>
-          <p:cNvPicPr>
-            <a:picLocks noChangeAspect="1"/>
-          </p:cNvPicPr>
-          <p:nvPr/>
-        </p:nvPicPr>
-        <p:blipFill>
-          <a:blip r:embed="rId8"/>
-          <a:stretch>
-            <a:fillRect/>
-          </a:stretch>
-        </p:blipFill>
-        <p:spPr>
-          <a:xfrm>
-            <a:off x="5382" y="300866"/>
-            <a:ext cx="371527" cy="152421"/>
-          </a:xfrm>
-          <a:prstGeom prst="rect">
-            <a:avLst/>
-          </a:prstGeom>
-        </p:spPr>
-      </p:pic>
-      <p:pic>
-        <p:nvPicPr>
-          <p:cNvPr id="17" name="Picture 16" hidden="1">
-            <a:extLst>
-              <a:ext uri="{FF2B5EF4-FFF2-40B4-BE49-F238E27FC236}">
-                <a16:creationId xmlns:a16="http://schemas.microsoft.com/office/drawing/2014/main" id="{B20D86C5-BA6D-E154-E685-84F7CBC5AAD2}"/>
-              </a:ext>
-            </a:extLst>
-          </p:cNvPr>
-          <p:cNvPicPr>
-            <a:picLocks noChangeAspect="1"/>
-          </p:cNvPicPr>
-          <p:nvPr/>
-        </p:nvPicPr>
-        <p:blipFill>
-          <a:blip r:embed="rId9"/>
-          <a:stretch>
-            <a:fillRect/>
-          </a:stretch>
-        </p:blipFill>
-        <p:spPr>
-          <a:xfrm>
-            <a:off x="-5409" y="121861"/>
-            <a:ext cx="1698804" cy="1800225"/>
-          </a:xfrm>
-          <a:prstGeom prst="rect">
-            <a:avLst/>
-          </a:prstGeom>
-        </p:spPr>
-      </p:pic>
-      <p:pic>
-        <p:nvPicPr>
-          <p:cNvPr id="19" name="Picture 18" hidden="1">
-            <a:extLst>
-              <a:ext uri="{FF2B5EF4-FFF2-40B4-BE49-F238E27FC236}">
-                <a16:creationId xmlns:a16="http://schemas.microsoft.com/office/drawing/2014/main" id="{DC4B3E7E-E96A-49BD-1292-8ED31CC83579}"/>
-              </a:ext>
-            </a:extLst>
-          </p:cNvPr>
-          <p:cNvPicPr>
-            <a:picLocks noChangeAspect="1"/>
-          </p:cNvPicPr>
-          <p:nvPr/>
-        </p:nvPicPr>
-        <p:blipFill>
-          <a:blip r:embed="rId10"/>
-          <a:stretch>
-            <a:fillRect/>
-          </a:stretch>
-        </p:blipFill>
-        <p:spPr>
-          <a:xfrm>
-            <a:off x="-10818" y="121860"/>
-            <a:ext cx="1698804" cy="1800225"/>
-          </a:xfrm>
-          <a:prstGeom prst="rect">
-            <a:avLst/>
-          </a:prstGeom>
         </p:spPr>
       </p:pic>
     </p:spTree>
@@ -3629,6 +3637,305 @@
         <p:cNvPr id="1" name="">
           <a:extLst>
             <a:ext uri="{FF2B5EF4-FFF2-40B4-BE49-F238E27FC236}">
+              <a16:creationId xmlns:a16="http://schemas.microsoft.com/office/drawing/2014/main" id="{5EAE9BC7-4545-7EEF-D799-F4352B790569}"/>
+            </a:ext>
+          </a:extLst>
+        </p:cNvPr>
+        <p:cNvGrpSpPr/>
+        <p:nvPr/>
+      </p:nvGrpSpPr>
+      <p:grpSpPr>
+        <a:xfrm>
+          <a:off x="0" y="0"/>
+          <a:ext cx="0" cy="0"/>
+          <a:chOff x="0" y="0"/>
+          <a:chExt cx="0" cy="0"/>
+        </a:xfrm>
+      </p:grpSpPr>
+      <p:pic>
+        <p:nvPicPr>
+          <p:cNvPr id="4" name="Picture 3">
+            <a:extLst>
+              <a:ext uri="{FF2B5EF4-FFF2-40B4-BE49-F238E27FC236}">
+                <a16:creationId xmlns:a16="http://schemas.microsoft.com/office/drawing/2014/main" id="{E81AC37E-B41C-DDF8-D6D8-FBCEB71688A2}"/>
+              </a:ext>
+            </a:extLst>
+          </p:cNvPr>
+          <p:cNvPicPr>
+            <a:picLocks noChangeAspect="1"/>
+          </p:cNvPicPr>
+          <p:nvPr/>
+        </p:nvPicPr>
+        <p:blipFill>
+          <a:blip r:embed="rId2">
+            <a:extLst>
+              <a:ext uri="{BEBA8EAE-BF5A-486C-A8C5-ECC9F3942E4B}">
+                <a14:imgProps xmlns:a14="http://schemas.microsoft.com/office/drawing/2010/main">
+                  <a14:imgLayer r:embed="rId3">
+                    <a14:imgEffect>
+                      <a14:artisticTexturizer/>
+                    </a14:imgEffect>
+                  </a14:imgLayer>
+                </a14:imgProps>
+              </a:ext>
+              <a:ext uri="{28A0092B-C50C-407E-A947-70E740481C1C}">
+                <a14:useLocalDpi xmlns:a14="http://schemas.microsoft.com/office/drawing/2010/main" val="0"/>
+              </a:ext>
+            </a:extLst>
+          </a:blip>
+          <a:stretch>
+            <a:fillRect/>
+          </a:stretch>
+        </p:blipFill>
+        <p:spPr>
+          <a:xfrm>
+            <a:off x="100659" y="38588"/>
+            <a:ext cx="180975" cy="352425"/>
+          </a:xfrm>
+          <a:prstGeom prst="rect">
+            <a:avLst/>
+          </a:prstGeom>
+          <a:effectLst>
+            <a:outerShdw blurRad="63500" dist="88900" dir="9480000" sx="79000" sy="79000" algn="ctr" rotWithShape="0">
+              <a:srgbClr val="000000">
+                <a:alpha val="60000"/>
+              </a:srgbClr>
+            </a:outerShdw>
+          </a:effectLst>
+        </p:spPr>
+      </p:pic>
+      <p:pic>
+        <p:nvPicPr>
+          <p:cNvPr id="6" name="Picture 5" hidden="1">
+            <a:extLst>
+              <a:ext uri="{FF2B5EF4-FFF2-40B4-BE49-F238E27FC236}">
+                <a16:creationId xmlns:a16="http://schemas.microsoft.com/office/drawing/2014/main" id="{CBD6CFF1-BAAB-E2D1-6379-C6722DC4B7B2}"/>
+              </a:ext>
+            </a:extLst>
+          </p:cNvPr>
+          <p:cNvPicPr>
+            <a:picLocks noChangeAspect="1"/>
+          </p:cNvPicPr>
+          <p:nvPr/>
+        </p:nvPicPr>
+        <p:blipFill>
+          <a:blip r:embed="rId4"/>
+          <a:stretch>
+            <a:fillRect/>
+          </a:stretch>
+        </p:blipFill>
+        <p:spPr>
+          <a:xfrm>
+            <a:off x="0" y="0"/>
+            <a:ext cx="1698804" cy="1800225"/>
+          </a:xfrm>
+          <a:prstGeom prst="rect">
+            <a:avLst/>
+          </a:prstGeom>
+        </p:spPr>
+      </p:pic>
+      <p:pic>
+        <p:nvPicPr>
+          <p:cNvPr id="9" name="Picture 8" hidden="1">
+            <a:extLst>
+              <a:ext uri="{FF2B5EF4-FFF2-40B4-BE49-F238E27FC236}">
+                <a16:creationId xmlns:a16="http://schemas.microsoft.com/office/drawing/2014/main" id="{DFF17D8B-5425-A521-2D4E-969B8989C62E}"/>
+              </a:ext>
+            </a:extLst>
+          </p:cNvPr>
+          <p:cNvPicPr>
+            <a:picLocks noChangeAspect="1"/>
+          </p:cNvPicPr>
+          <p:nvPr/>
+        </p:nvPicPr>
+        <p:blipFill>
+          <a:blip r:embed="rId5"/>
+          <a:stretch>
+            <a:fillRect/>
+          </a:stretch>
+        </p:blipFill>
+        <p:spPr>
+          <a:xfrm>
+            <a:off x="5409" y="32725"/>
+            <a:ext cx="1698804" cy="1800225"/>
+          </a:xfrm>
+          <a:prstGeom prst="rect">
+            <a:avLst/>
+          </a:prstGeom>
+        </p:spPr>
+      </p:pic>
+      <p:pic>
+        <p:nvPicPr>
+          <p:cNvPr id="11" name="Picture 10" hidden="1">
+            <a:extLst>
+              <a:ext uri="{FF2B5EF4-FFF2-40B4-BE49-F238E27FC236}">
+                <a16:creationId xmlns:a16="http://schemas.microsoft.com/office/drawing/2014/main" id="{F7DAE6F1-CE85-42BB-9D18-CDEA681C0959}"/>
+              </a:ext>
+            </a:extLst>
+          </p:cNvPr>
+          <p:cNvPicPr>
+            <a:picLocks noChangeAspect="1"/>
+          </p:cNvPicPr>
+          <p:nvPr/>
+        </p:nvPicPr>
+        <p:blipFill>
+          <a:blip r:embed="rId6"/>
+          <a:stretch>
+            <a:fillRect/>
+          </a:stretch>
+        </p:blipFill>
+        <p:spPr>
+          <a:xfrm>
+            <a:off x="0" y="65450"/>
+            <a:ext cx="1698804" cy="1800225"/>
+          </a:xfrm>
+          <a:prstGeom prst="rect">
+            <a:avLst/>
+          </a:prstGeom>
+        </p:spPr>
+      </p:pic>
+      <p:pic>
+        <p:nvPicPr>
+          <p:cNvPr id="13" name="Picture 12" hidden="1">
+            <a:extLst>
+              <a:ext uri="{FF2B5EF4-FFF2-40B4-BE49-F238E27FC236}">
+                <a16:creationId xmlns:a16="http://schemas.microsoft.com/office/drawing/2014/main" id="{0495EB4B-E3B1-E990-F6AD-F838E720E472}"/>
+              </a:ext>
+            </a:extLst>
+          </p:cNvPr>
+          <p:cNvPicPr>
+            <a:picLocks noChangeAspect="1"/>
+          </p:cNvPicPr>
+          <p:nvPr/>
+        </p:nvPicPr>
+        <p:blipFill>
+          <a:blip r:embed="rId7"/>
+          <a:stretch>
+            <a:fillRect/>
+          </a:stretch>
+        </p:blipFill>
+        <p:spPr>
+          <a:xfrm>
+            <a:off x="0" y="121862"/>
+            <a:ext cx="1698804" cy="1800225"/>
+          </a:xfrm>
+          <a:prstGeom prst="rect">
+            <a:avLst/>
+          </a:prstGeom>
+        </p:spPr>
+      </p:pic>
+      <p:pic>
+        <p:nvPicPr>
+          <p:cNvPr id="15" name="Picture 14" hidden="1">
+            <a:extLst>
+              <a:ext uri="{FF2B5EF4-FFF2-40B4-BE49-F238E27FC236}">
+                <a16:creationId xmlns:a16="http://schemas.microsoft.com/office/drawing/2014/main" id="{3678E91C-6369-FEC2-3C1F-74D0248B7A49}"/>
+              </a:ext>
+            </a:extLst>
+          </p:cNvPr>
+          <p:cNvPicPr>
+            <a:picLocks noChangeAspect="1"/>
+          </p:cNvPicPr>
+          <p:nvPr/>
+        </p:nvPicPr>
+        <p:blipFill>
+          <a:blip r:embed="rId8"/>
+          <a:stretch>
+            <a:fillRect/>
+          </a:stretch>
+        </p:blipFill>
+        <p:spPr>
+          <a:xfrm>
+            <a:off x="5382" y="300866"/>
+            <a:ext cx="371527" cy="152421"/>
+          </a:xfrm>
+          <a:prstGeom prst="rect">
+            <a:avLst/>
+          </a:prstGeom>
+        </p:spPr>
+      </p:pic>
+      <p:pic>
+        <p:nvPicPr>
+          <p:cNvPr id="17" name="Picture 16" hidden="1">
+            <a:extLst>
+              <a:ext uri="{FF2B5EF4-FFF2-40B4-BE49-F238E27FC236}">
+                <a16:creationId xmlns:a16="http://schemas.microsoft.com/office/drawing/2014/main" id="{39BAA75D-DDD5-27ED-673B-CB6DC6187C4D}"/>
+              </a:ext>
+            </a:extLst>
+          </p:cNvPr>
+          <p:cNvPicPr>
+            <a:picLocks noChangeAspect="1"/>
+          </p:cNvPicPr>
+          <p:nvPr/>
+        </p:nvPicPr>
+        <p:blipFill>
+          <a:blip r:embed="rId9"/>
+          <a:stretch>
+            <a:fillRect/>
+          </a:stretch>
+        </p:blipFill>
+        <p:spPr>
+          <a:xfrm>
+            <a:off x="-5409" y="121861"/>
+            <a:ext cx="1698804" cy="1800225"/>
+          </a:xfrm>
+          <a:prstGeom prst="rect">
+            <a:avLst/>
+          </a:prstGeom>
+        </p:spPr>
+      </p:pic>
+      <p:pic>
+        <p:nvPicPr>
+          <p:cNvPr id="19" name="Picture 18" hidden="1">
+            <a:extLst>
+              <a:ext uri="{FF2B5EF4-FFF2-40B4-BE49-F238E27FC236}">
+                <a16:creationId xmlns:a16="http://schemas.microsoft.com/office/drawing/2014/main" id="{83D6458D-879F-3A44-672E-3DE53BAE6880}"/>
+              </a:ext>
+            </a:extLst>
+          </p:cNvPr>
+          <p:cNvPicPr>
+            <a:picLocks noChangeAspect="1"/>
+          </p:cNvPicPr>
+          <p:nvPr/>
+        </p:nvPicPr>
+        <p:blipFill>
+          <a:blip r:embed="rId10"/>
+          <a:stretch>
+            <a:fillRect/>
+          </a:stretch>
+        </p:blipFill>
+        <p:spPr>
+          <a:xfrm>
+            <a:off x="-10818" y="121860"/>
+            <a:ext cx="1698804" cy="1800225"/>
+          </a:xfrm>
+          <a:prstGeom prst="rect">
+            <a:avLst/>
+          </a:prstGeom>
+        </p:spPr>
+      </p:pic>
+    </p:spTree>
+    <p:extLst>
+      <p:ext uri="{BB962C8B-B14F-4D97-AF65-F5344CB8AC3E}">
+        <p14:creationId xmlns:p14="http://schemas.microsoft.com/office/powerpoint/2010/main" val="3804776243"/>
+      </p:ext>
+    </p:extLst>
+  </p:cSld>
+  <p:clrMapOvr>
+    <a:masterClrMapping/>
+  </p:clrMapOvr>
+  <p:transition advClick="0" advTm="0"/>
+</p:sld>
+</file>
+
+<file path=ppt/slides/slide3.xml><?xml version="1.0" encoding="utf-8"?>
+<p:sld xmlns:a="http://schemas.openxmlformats.org/drawingml/2006/main" xmlns:r="http://schemas.openxmlformats.org/officeDocument/2006/relationships" xmlns:p="http://schemas.openxmlformats.org/presentationml/2006/main">
+  <p:cSld>
+    <p:spTree>
+      <p:nvGrpSpPr>
+        <p:cNvPr id="1" name="">
+          <a:extLst>
+            <a:ext uri="{FF2B5EF4-FFF2-40B4-BE49-F238E27FC236}">
               <a16:creationId xmlns:a16="http://schemas.microsoft.com/office/drawing/2014/main" id="{C355A683-7F1F-DC87-B1B2-D149AD5725DF}"/>
             </a:ext>
           </a:extLst>
@@ -3920,7 +4227,7 @@
 </p:sld>
 </file>
 
-<file path=ppt/slides/slide3.xml><?xml version="1.0" encoding="utf-8"?>
+<file path=ppt/slides/slide4.xml><?xml version="1.0" encoding="utf-8"?>
 <p:sld xmlns:a="http://schemas.openxmlformats.org/drawingml/2006/main" xmlns:r="http://schemas.openxmlformats.org/officeDocument/2006/relationships" xmlns:p="http://schemas.openxmlformats.org/presentationml/2006/main">
   <p:cSld>
     <p:spTree>
@@ -4219,7 +4526,7 @@
 </p:sld>
 </file>
 
-<file path=ppt/slides/slide4.xml><?xml version="1.0" encoding="utf-8"?>
+<file path=ppt/slides/slide5.xml><?xml version="1.0" encoding="utf-8"?>
 <p:sld xmlns:a="http://schemas.openxmlformats.org/drawingml/2006/main" xmlns:r="http://schemas.openxmlformats.org/officeDocument/2006/relationships" xmlns:p="http://schemas.openxmlformats.org/presentationml/2006/main">
   <p:cSld>
     <p:spTree>
@@ -4518,7 +4825,7 @@
 </p:sld>
 </file>
 
-<file path=ppt/slides/slide5.xml><?xml version="1.0" encoding="utf-8"?>
+<file path=ppt/slides/slide6.xml><?xml version="1.0" encoding="utf-8"?>
 <p:sld xmlns:a="http://schemas.openxmlformats.org/drawingml/2006/main" xmlns:r="http://schemas.openxmlformats.org/officeDocument/2006/relationships" xmlns:p="http://schemas.openxmlformats.org/presentationml/2006/main">
   <p:cSld>
     <p:spTree>
@@ -4817,7 +5124,7 @@
 </p:sld>
 </file>
 
-<file path=ppt/slides/slide6.xml><?xml version="1.0" encoding="utf-8"?>
+<file path=ppt/slides/slide7.xml><?xml version="1.0" encoding="utf-8"?>
 <p:sld xmlns:a="http://schemas.openxmlformats.org/drawingml/2006/main" xmlns:r="http://schemas.openxmlformats.org/officeDocument/2006/relationships" xmlns:p="http://schemas.openxmlformats.org/presentationml/2006/main">
   <p:cSld>
     <p:spTree>
@@ -5116,7 +5423,7 @@
 </p:sld>
 </file>
 
-<file path=ppt/slides/slide7.xml><?xml version="1.0" encoding="utf-8"?>
+<file path=ppt/slides/slide8.xml><?xml version="1.0" encoding="utf-8"?>
 <p:sld xmlns:a="http://schemas.openxmlformats.org/drawingml/2006/main" xmlns:r="http://schemas.openxmlformats.org/officeDocument/2006/relationships" xmlns:p="http://schemas.openxmlformats.org/presentationml/2006/main">
   <p:cSld>
     <p:spTree>
@@ -5415,7 +5722,7 @@
 </p:sld>
 </file>
 
-<file path=ppt/slides/slide8.xml><?xml version="1.0" encoding="utf-8"?>
+<file path=ppt/slides/slide9.xml><?xml version="1.0" encoding="utf-8"?>
 <p:sld xmlns:a="http://schemas.openxmlformats.org/drawingml/2006/main" xmlns:r="http://schemas.openxmlformats.org/officeDocument/2006/relationships" xmlns:p="http://schemas.openxmlformats.org/presentationml/2006/main">
   <p:cSld>
     <p:spTree>
